--- a/Day8/Ch11_Ecosystem.pptx
+++ b/Day8/Ch11_Ecosystem.pptx
@@ -274,7 +274,7 @@
               <a:rPr lang="en-US" dirty="0">
                 <a:latin typeface="Tahoma" pitchFamily="34" charset="0"/>
               </a:rPr>
-              <a:t>455DS: Spark for Data Scientists</a:t>
+              <a:t>Spark Program</a:t>
             </a:r>
           </a:p>
         </p:txBody>
@@ -333,7 +333,7 @@
                 <a:ea typeface="Tahoma" pitchFamily="34" charset="0"/>
                 <a:cs typeface="Tahoma" pitchFamily="34" charset="0"/>
               </a:rPr>
-              <a:t>Chapter 6</a:t>
+              <a:t>Chapter 11</a:t>
             </a:r>
           </a:p>
         </p:txBody>
@@ -723,7 +723,7 @@
                 </a:solidFill>
                 <a:latin typeface="Tahoma" pitchFamily="34" charset="0"/>
               </a:rPr>
-              <a:t>Chapter 6-</a:t>
+              <a:t>Chapter 11-</a:t>
             </a:r>
             <a:fld id="{9C58707A-6F60-4D20-8A8B-4F90B88EA4F7}" type="slidenum">
               <a:rPr lang="en-US" sz="1200" smtClean="0">
@@ -796,7 +796,7 @@
                 </a:solidFill>
                 <a:latin typeface="Tahoma" pitchFamily="34" charset="0"/>
               </a:rPr>
-              <a:t>455DS: Spark for Data Scientists</a:t>
+              <a:t>Spark Program</a:t>
             </a:r>
           </a:p>
         </p:txBody>
@@ -6149,7 +6149,7 @@
                 <a:ea typeface="Tahoma" panose="020B0604030504040204" pitchFamily="34" charset="0"/>
                 <a:cs typeface="Tahoma" panose="020B0604030504040204" pitchFamily="34" charset="0"/>
               </a:rPr>
-              <a:t>455DS: Spark for Data Scientists</a:t>
+              <a:t>Spark Program</a:t>
             </a:r>
           </a:p>
         </p:txBody>
@@ -6874,50 +6874,50 @@
           <a:p>
             <a:r>
               <a:rPr lang="en-US" dirty="0"/>
-              <a:t>Look at other products in the Big Data Space</a:t>
-            </a:r>
-          </a:p>
-          <a:p>
-            <a:r>
-              <a:rPr lang="en-US" dirty="0" err="1"/>
-              <a:t>Flink</a:t>
-            </a:r>
-            <a:endParaRPr lang="en-US" dirty="0"/>
-          </a:p>
-          <a:p>
+              <a:t>Look at other products in the Big Data space</a:t>
+            </a:r>
+          </a:p>
+          <a:p>
+            <a:pPr lvl="1"/>
+            <a:r>
+              <a:rPr lang="en-US" dirty="0"/>
+              <a:t>Hive/HCatalog</a:t>
+            </a:r>
+          </a:p>
+          <a:p>
+            <a:pPr lvl="1"/>
+            <a:r>
+              <a:rPr lang="en-US" dirty="0"/>
+              <a:t>Sqoop</a:t>
+            </a:r>
+          </a:p>
+          <a:p>
+            <a:pPr lvl="1"/>
+            <a:r>
+              <a:rPr lang="en-US" dirty="0"/>
+              <a:t>Flume</a:t>
+            </a:r>
+          </a:p>
+          <a:p>
+            <a:pPr lvl="1"/>
             <a:r>
               <a:rPr lang="en-US" dirty="0"/>
               <a:t>Kafka</a:t>
             </a:r>
           </a:p>
           <a:p>
+            <a:pPr lvl="1"/>
             <a:r>
               <a:rPr lang="en-US" dirty="0"/>
               <a:t>Storm</a:t>
             </a:r>
           </a:p>
           <a:p>
+            <a:pPr lvl="1"/>
             <a:r>
               <a:rPr lang="en-US" dirty="0"/>
-              <a:t>Flume</a:t>
-            </a:r>
-          </a:p>
-          <a:p>
-            <a:r>
-              <a:rPr lang="en-US" dirty="0"/>
-              <a:t>Sqoop</a:t>
-            </a:r>
-          </a:p>
-          <a:p>
-            <a:r>
-              <a:rPr lang="en-US" dirty="0"/>
-              <a:t>Hive/</a:t>
-            </a:r>
-            <a:r>
-              <a:rPr lang="en-US" dirty="0" err="1"/>
-              <a:t>HCatalog</a:t>
-            </a:r>
-            <a:endParaRPr lang="en-US" dirty="0"/>
+              <a:t>Flink</a:t>
+            </a:r>
           </a:p>
           <a:p>
             <a:pPr marL="0" indent="0">
@@ -7025,7 +7025,7 @@
           <a:p>
             <a:r>
               <a:rPr lang="en-US" sz="1700" dirty="0"/>
-              <a:t>Hive &amp; Pig joined later to allow you to write simpler scripts instead of Java code</a:t>
+              <a:t>Hive and Pig joined later to allow you to write simpler scripts instead of Java code</a:t>
             </a:r>
           </a:p>
           <a:p>
@@ -7038,12 +7038,8 @@
           <a:p>
             <a:pPr lvl="2"/>
             <a:r>
-              <a:rPr lang="en-US" sz="1700" dirty="0" err="1"/>
-              <a:t>HCatalog</a:t>
-            </a:r>
-            <a:r>
               <a:rPr lang="en-US" sz="1700" dirty="0"/>
-              <a:t> is a subset of Hive that just handles the storage of metadata for table definitions</a:t>
+              <a:t>HCatalog is a subset of Hive that just handles the storage of metadata for table definitions</a:t>
             </a:r>
           </a:p>
           <a:p>
@@ -7091,7 +7087,7 @@
             <a:pPr lvl="1"/>
             <a:r>
               <a:rPr lang="en-US" sz="1700" dirty="0"/>
-              <a:t>Doesn't cache as much as Spark and doesn't have all the other features Spark has</a:t>
+              <a:t>Doesn’t cache as much as Spark and doesn’t have all the other features Spark has</a:t>
             </a:r>
           </a:p>
           <a:p>
@@ -7182,19 +7178,26 @@
           <a:p>
             <a:r>
               <a:rPr lang="en-US" dirty="0"/>
-              <a:t>If you need to do a mass export of data from a SQL database into HDFS you can set up jobs in Sqoop to parallel load it to multiple nodes simultaneously</a:t>
+              <a:t>If you need to do a mass export of data from a SQL database into HDFS, you can set up jobs in Sqoop to parallel load it to multiple nodes simultaneously</a:t>
             </a:r>
           </a:p>
           <a:p>
             <a:r>
               <a:rPr lang="en-US" dirty="0"/>
-              <a:t>It is useful to export large SQL tables occasionally but if you need to query the current data that is in the table, you can do so directly with Spark, but be aware that doing so may take a lot of bandwidth to get it into the cluster</a:t>
-            </a:r>
-          </a:p>
-          <a:p>
+              <a:t>It is useful to export large SQL tables occasionally, but if you need to query the current data that is in the table, you can do so directly with Spark</a:t>
+            </a:r>
+          </a:p>
+          <a:p>
+            <a:pPr lvl="1"/>
             <a:r>
               <a:rPr lang="en-US" dirty="0"/>
-              <a:t>Typically you export large tables and do periodic incremental updates of new data to refresh what is in HDFS, but it is difficult to account for changes the records, whereas new records are easy to append to the end of a folder</a:t>
+              <a:t>But be aware that doing so may take a lot of bandwidth to get it into the cluster</a:t>
+            </a:r>
+          </a:p>
+          <a:p>
+            <a:r>
+              <a:rPr lang="en-US" dirty="0"/>
+              <a:t>Typically, you export large tables and do periodic incremental updates of new data to refresh what is in HDFS, but it is difficult to account for changes to the records, whereas new records are easy to append to the end of a folder</a:t>
             </a:r>
           </a:p>
           <a:p>
@@ -7277,19 +7280,19 @@
           <a:p>
             <a:r>
               <a:rPr lang="en-US" dirty="0"/>
-              <a:t>Flume is another single use tool like Sqoop</a:t>
+              <a:t>Flume is another single-use tool like Sqoop</a:t>
             </a:r>
           </a:p>
           <a:p>
             <a:r>
               <a:rPr lang="en-US" dirty="0"/>
-              <a:t>Instead of moving data in and out of SQL it is designed to deal specifically with log files</a:t>
+              <a:t>Instead of moving data in and out of SQL, it is designed to deal specifically with log files</a:t>
             </a:r>
           </a:p>
           <a:p>
             <a:r>
               <a:rPr lang="en-US" dirty="0"/>
-              <a:t>Typical use case would be to aggregate the log files of multiple web servers in a farm to consolidate them, scan them for keywords, aggregate them for performance metrics etc.</a:t>
+              <a:t>Typical use case would be to aggregate the log files of multiple web servers in a farm to consolidate them, scan them for keywords, aggregate them for performance metrics, etc.</a:t>
             </a:r>
           </a:p>
           <a:p>
@@ -7375,13 +7378,13 @@
           <a:p>
             <a:r>
               <a:rPr lang="en-US" dirty="0"/>
-              <a:t>Kafka is a streaming platform designed to create reliable, scalable, clusters to handle basic message queue type operations</a:t>
+              <a:t>Kafka is a streaming platform designed to create reliable, scalable, clusters to handle basic message queue-type operations</a:t>
             </a:r>
           </a:p>
           <a:p>
             <a:r>
               <a:rPr lang="en-US" dirty="0"/>
-              <a:t>It is designed to </a:t>
+              <a:t>It is designed to: </a:t>
             </a:r>
           </a:p>
           <a:p>
@@ -7395,7 +7398,7 @@
             <a:pPr lvl="1"/>
             <a:r>
               <a:rPr lang="en-US" dirty="0"/>
-              <a:t>Store the streams in a fault tolerant and durable manner</a:t>
+              <a:t>Store the streams in a fault-tolerant and durable manner</a:t>
             </a:r>
           </a:p>
           <a:p>
@@ -7504,7 +7507,7 @@
           <a:p>
             <a:r>
               <a:rPr lang="en-US" dirty="0"/>
-              <a:t>Another stream processing engine that is clustered, fault tolerant and reliable</a:t>
+              <a:t>Another stream processing engine that is clustered, fault tolerant, and reliable</a:t>
             </a:r>
           </a:p>
           <a:p>
@@ -7516,7 +7519,7 @@
           <a:p>
             <a:r>
               <a:rPr lang="en-US" dirty="0"/>
-              <a:t>You build the solutions in Java using Storm API's instead of using Python or Scala like you would in Spark</a:t>
+              <a:t>You build the solutions in Java using Storm APIs instead of using Python or Scala like you would in Spark</a:t>
             </a:r>
           </a:p>
           <a:p>
@@ -7596,13 +7599,13 @@
           <a:p>
             <a:r>
               <a:rPr lang="en-US" dirty="0"/>
-              <a:t>Yet another stream processing engine that is clustered, fault tolerant and reliable</a:t>
+              <a:t>Yet another stream processing engine that is clustered, fault tolerant, and reliable</a:t>
             </a:r>
           </a:p>
           <a:p>
             <a:r>
               <a:rPr lang="en-US" dirty="0"/>
-              <a:t>Built from the ground up as a stream processing engine whereas Spark was built as a batch engine first, and streaming added later</a:t>
+              <a:t>Built from the ground up as a stream processing engine, whereas Spark was built as a batch engine first, and streaming added later</a:t>
             </a:r>
           </a:p>
           <a:p>
@@ -7614,19 +7617,14 @@
           <a:p>
             <a:r>
               <a:rPr lang="en-US" dirty="0"/>
-              <a:t>Has Java and Python API's</a:t>
+              <a:t>Has Java and Python APIs</a:t>
             </a:r>
           </a:p>
           <a:p>
             <a:r>
               <a:rPr lang="en-US" dirty="0"/>
-              <a:t>Lacks an interactive command line environment like </a:t>
-            </a:r>
-            <a:r>
-              <a:rPr lang="en-US" dirty="0" err="1"/>
-              <a:t>PySpark</a:t>
-            </a:r>
-            <a:endParaRPr lang="en-US" dirty="0"/>
+              <a:t>Lacks an interactive command-line environment like PySpark</a:t>
+            </a:r>
           </a:p>
           <a:p>
             <a:pPr marL="228600" lvl="1" indent="0">
@@ -7652,10 +7650,9 @@
           <a:lstStyle/>
           <a:p>
             <a:r>
-              <a:rPr lang="en-US" dirty="0" err="1"/>
+              <a:rPr lang="en-US" dirty="0"/>
               <a:t>Flink</a:t>
             </a:r>
-            <a:endParaRPr lang="en-US" dirty="0"/>
           </a:p>
         </p:txBody>
       </p:sp>
@@ -7709,64 +7706,56 @@
             </a:pPr>
             <a:r>
               <a:rPr lang="en-US" dirty="0"/>
-              <a:t>In this chapter, we </a:t>
-            </a:r>
-            <a:r>
-              <a:rPr lang="en-US" dirty="0" err="1"/>
-              <a:t>haved</a:t>
-            </a:r>
+              <a:t>In this chapter, we have:</a:t>
+            </a:r>
+          </a:p>
+          <a:p>
             <a:r>
               <a:rPr lang="en-US" dirty="0"/>
-              <a:t>:</a:t>
-            </a:r>
-          </a:p>
-          <a:p>
+              <a:t>Looked at other products in the Big Data space</a:t>
+            </a:r>
+          </a:p>
+          <a:p>
+            <a:pPr lvl="1"/>
             <a:r>
               <a:rPr lang="en-US" dirty="0"/>
-              <a:t>Looked at other products in the Big Data Space</a:t>
-            </a:r>
-          </a:p>
-          <a:p>
-            <a:r>
-              <a:rPr lang="en-US" dirty="0" err="1"/>
-              <a:t>Flink</a:t>
-            </a:r>
-            <a:endParaRPr lang="en-US" dirty="0"/>
-          </a:p>
-          <a:p>
+              <a:t>Hive/HCatalog</a:t>
+            </a:r>
+          </a:p>
+          <a:p>
+            <a:pPr lvl="1"/>
+            <a:r>
+              <a:rPr lang="en-US" dirty="0"/>
+              <a:t>Sqoop</a:t>
+            </a:r>
+          </a:p>
+          <a:p>
+            <a:pPr lvl="1"/>
+            <a:r>
+              <a:rPr lang="en-US" dirty="0"/>
+              <a:t>Flume</a:t>
+            </a:r>
+          </a:p>
+          <a:p>
+            <a:pPr lvl="1"/>
             <a:r>
               <a:rPr lang="en-US" dirty="0"/>
               <a:t>Kafka</a:t>
             </a:r>
           </a:p>
           <a:p>
+            <a:pPr lvl="1"/>
             <a:r>
               <a:rPr lang="en-US" dirty="0"/>
               <a:t>Storm</a:t>
             </a:r>
           </a:p>
           <a:p>
+            <a:pPr lvl="1"/>
             <a:r>
               <a:rPr lang="en-US" dirty="0"/>
-              <a:t>Flume</a:t>
-            </a:r>
-          </a:p>
-          <a:p>
-            <a:r>
-              <a:rPr lang="en-US" dirty="0"/>
-              <a:t>Sqoop</a:t>
-            </a:r>
-          </a:p>
-          <a:p>
-            <a:r>
-              <a:rPr lang="en-US" dirty="0"/>
-              <a:t>Hive/</a:t>
-            </a:r>
-            <a:r>
-              <a:rPr lang="en-US" dirty="0" err="1"/>
-              <a:t>HCatalog</a:t>
-            </a:r>
-            <a:endParaRPr lang="en-US" dirty="0"/>
+              <a:t>Flink</a:t>
+            </a:r>
           </a:p>
           <a:p>
             <a:pPr marL="0" indent="0">
@@ -9023,21 +9012,6 @@
 </file>
 
 <file path=customXml/item1.xml><?xml version="1.0" encoding="utf-8"?>
-<?mso-contentType ?>
-<FormTemplates xmlns="http://schemas.microsoft.com/sharepoint/v3/contenttype/forms">
-  <Display>DocumentLibraryForm</Display>
-  <Edit>DocumentLibraryForm</Edit>
-  <New>DocumentLibraryForm</New>
-</FormTemplates>
-</file>
-
-<file path=customXml/item2.xml><?xml version="1.0" encoding="utf-8"?>
-<p:properties xmlns:p="http://schemas.microsoft.com/office/2006/metadata/properties" xmlns:xsi="http://www.w3.org/2001/XMLSchema-instance" xmlns:pc="http://schemas.microsoft.com/office/infopath/2007/PartnerControls">
-  <documentManagement/>
-</p:properties>
-</file>
-
-<file path=customXml/item3.xml><?xml version="1.0" encoding="utf-8"?>
 <ct:contentTypeSchema xmlns:ct="http://schemas.microsoft.com/office/2006/metadata/contentType" xmlns:ma="http://schemas.microsoft.com/office/2006/metadata/properties/metaAttributes" ct:_="" ma:_="" ma:contentTypeName="Document" ma:contentTypeID="0x0101004C58D7A746750E48B9E257CBBD401C71" ma:contentTypeVersion="5" ma:contentTypeDescription="Create a new document." ma:contentTypeScope="" ma:versionID="9b104746e7bcdc89d5c9d8909bc79033">
   <xsd:schema xmlns:xsd="http://www.w3.org/2001/XMLSchema" xmlns:xs="http://www.w3.org/2001/XMLSchema" xmlns:p="http://schemas.microsoft.com/office/2006/metadata/properties" xmlns:ns2="3f1ded34-099e-46dd-b0de-95a90e7e1e5f" targetNamespace="http://schemas.microsoft.com/office/2006/metadata/properties" ma:root="true" ma:fieldsID="39039af933a2d9dca5a96354c4c2b0ed" ns2:_="">
     <xsd:import namespace="3f1ded34-099e-46dd-b0de-95a90e7e1e5f"/>
@@ -9189,31 +9163,22 @@
 </ct:contentTypeSchema>
 </file>
 
-<file path=customXml/itemProps1.xml><?xml version="1.0" encoding="utf-8"?>
-<ds:datastoreItem xmlns:ds="http://schemas.openxmlformats.org/officeDocument/2006/customXml" ds:itemID="{2DA015F3-603C-4688-A5F3-81D587DAB8C9}">
-  <ds:schemaRefs>
-    <ds:schemaRef ds:uri="http://schemas.microsoft.com/sharepoint/v3/contenttype/forms"/>
-  </ds:schemaRefs>
-</ds:datastoreItem>
+<file path=customXml/item2.xml><?xml version="1.0" encoding="utf-8"?>
+<?mso-contentType ?>
+<FormTemplates xmlns="http://schemas.microsoft.com/sharepoint/v3/contenttype/forms">
+  <Display>DocumentLibraryForm</Display>
+  <Edit>DocumentLibraryForm</Edit>
+  <New>DocumentLibraryForm</New>
+</FormTemplates>
 </file>
 
-<file path=customXml/itemProps2.xml><?xml version="1.0" encoding="utf-8"?>
-<ds:datastoreItem xmlns:ds="http://schemas.openxmlformats.org/officeDocument/2006/customXml" ds:itemID="{F47B9207-CE5C-49AD-B414-15CBFA246D65}">
-  <ds:schemaRefs>
-    <ds:schemaRef ds:uri="http://purl.org/dc/terms/"/>
-    <ds:schemaRef ds:uri="3f1ded34-099e-46dd-b0de-95a90e7e1e5f"/>
-    <ds:schemaRef ds:uri="http://schemas.microsoft.com/office/2006/documentManagement/types"/>
-    <ds:schemaRef ds:uri="http://schemas.microsoft.com/office/infopath/2007/PartnerControls"/>
-    <ds:schemaRef ds:uri="http://purl.org/dc/elements/1.1/"/>
-    <ds:schemaRef ds:uri="http://schemas.microsoft.com/office/2006/metadata/properties"/>
-    <ds:schemaRef ds:uri="http://schemas.openxmlformats.org/package/2006/metadata/core-properties"/>
-    <ds:schemaRef ds:uri="http://www.w3.org/XML/1998/namespace"/>
-    <ds:schemaRef ds:uri="http://purl.org/dc/dcmitype/"/>
-  </ds:schemaRefs>
-</ds:datastoreItem>
+<file path=customXml/item3.xml><?xml version="1.0" encoding="utf-8"?>
+<p:properties xmlns:p="http://schemas.microsoft.com/office/2006/metadata/properties" xmlns:xsi="http://www.w3.org/2001/XMLSchema-instance" xmlns:pc="http://schemas.microsoft.com/office/infopath/2007/PartnerControls">
+  <documentManagement/>
+</p:properties>
 </file>
 
-<file path=customXml/itemProps3.xml><?xml version="1.0" encoding="utf-8"?>
+<file path=customXml/itemProps1.xml><?xml version="1.0" encoding="utf-8"?>
 <ds:datastoreItem xmlns:ds="http://schemas.openxmlformats.org/officeDocument/2006/customXml" ds:itemID="{6751EBC6-C433-43E6-8F46-C6D6D677BF51}">
   <ds:schemaRefs>
     <ds:schemaRef ds:uri="http://schemas.microsoft.com/office/2006/metadata/contentType"/>
@@ -9229,4 +9194,28 @@
     <ds:schemaRef ds:uri="http://schemas.microsoft.com/internal/obd"/>
   </ds:schemaRefs>
 </ds:datastoreItem>
+</file>
+
+<file path=customXml/itemProps2.xml><?xml version="1.0" encoding="utf-8"?>
+<ds:datastoreItem xmlns:ds="http://schemas.openxmlformats.org/officeDocument/2006/customXml" ds:itemID="{2DA015F3-603C-4688-A5F3-81D587DAB8C9}">
+  <ds:schemaRefs>
+    <ds:schemaRef ds:uri="http://schemas.microsoft.com/sharepoint/v3/contenttype/forms"/>
+  </ds:schemaRefs>
+</ds:datastoreItem>
+</file>
+
+<file path=customXml/itemProps3.xml><?xml version="1.0" encoding="utf-8"?>
+<ds:datastoreItem xmlns:ds="http://schemas.openxmlformats.org/officeDocument/2006/customXml" ds:itemID="{F47B9207-CE5C-49AD-B414-15CBFA246D65}">
+  <ds:schemaRefs>
+    <ds:schemaRef ds:uri="http://purl.org/dc/terms/"/>
+    <ds:schemaRef ds:uri="3f1ded34-099e-46dd-b0de-95a90e7e1e5f"/>
+    <ds:schemaRef ds:uri="http://schemas.microsoft.com/office/2006/documentManagement/types"/>
+    <ds:schemaRef ds:uri="http://schemas.microsoft.com/office/infopath/2007/PartnerControls"/>
+    <ds:schemaRef ds:uri="http://purl.org/dc/elements/1.1/"/>
+    <ds:schemaRef ds:uri="http://schemas.microsoft.com/office/2006/metadata/properties"/>
+    <ds:schemaRef ds:uri="http://schemas.openxmlformats.org/package/2006/metadata/core-properties"/>
+    <ds:schemaRef ds:uri="http://www.w3.org/XML/1998/namespace"/>
+    <ds:schemaRef ds:uri="http://purl.org/dc/dcmitype/"/>
+  </ds:schemaRefs>
+</ds:datastoreItem>
 </file>